--- a/BookEz.pptx
+++ b/BookEz.pptx
@@ -261,7 +261,7 @@
           <a:p>
             <a:fld id="{83284890-85D2-4D7B-8EF5-15A9C1DB8F42}" type="datetimeFigureOut">
               <a:rPr lang="en-US" smtClean="0"/>
-              <a:t>2/2/2025</a:t>
+              <a:t>2/3/2025</a:t>
             </a:fld>
             <a:endParaRPr lang="en-US" dirty="0"/>
           </a:p>
@@ -473,7 +473,7 @@
           <a:p>
             <a:fld id="{87157CC2-0FC8-4686-B024-99790E0F5162}" type="datetimeFigureOut">
               <a:rPr lang="en-US" smtClean="0"/>
-              <a:t>2/2/2025</a:t>
+              <a:t>2/3/2025</a:t>
             </a:fld>
             <a:endParaRPr lang="en-US" dirty="0"/>
           </a:p>
@@ -688,7 +688,7 @@
           <a:p>
             <a:fld id="{F6764DA5-CD3D-4590-A511-FCD3BC7A793E}" type="datetimeFigureOut">
               <a:rPr lang="en-US" smtClean="0"/>
-              <a:t>2/2/2025</a:t>
+              <a:t>2/3/2025</a:t>
             </a:fld>
             <a:endParaRPr lang="en-US" dirty="0"/>
           </a:p>
@@ -889,7 +889,7 @@
           <a:p>
             <a:fld id="{82F5661D-6934-4B32-B92C-470368BF1EC6}" type="datetimeFigureOut">
               <a:rPr lang="en-US" smtClean="0"/>
-              <a:t>2/2/2025</a:t>
+              <a:t>2/3/2025</a:t>
             </a:fld>
             <a:endParaRPr lang="en-US" dirty="0"/>
           </a:p>
@@ -1168,7 +1168,7 @@
           <a:p>
             <a:fld id="{C6F822A4-8DA6-4447-9B1F-C5DB58435268}" type="datetimeFigureOut">
               <a:rPr lang="en-US" smtClean="0"/>
-              <a:t>2/2/2025</a:t>
+              <a:t>2/3/2025</a:t>
             </a:fld>
             <a:endParaRPr lang="en-US" dirty="0"/>
           </a:p>
@@ -1437,7 +1437,7 @@
           <a:p>
             <a:fld id="{E548D31E-DCDA-41A7-9C67-C4B11B94D21D}" type="datetimeFigureOut">
               <a:rPr lang="en-US" smtClean="0"/>
-              <a:t>2/2/2025</a:t>
+              <a:t>2/3/2025</a:t>
             </a:fld>
             <a:endParaRPr lang="en-US" dirty="0"/>
           </a:p>
@@ -1853,7 +1853,7 @@
           <a:p>
             <a:fld id="{9B3762C0-B258-48F1-ADE6-176B4174CCDD}" type="datetimeFigureOut">
               <a:rPr lang="en-US" smtClean="0"/>
-              <a:t>2/2/2025</a:t>
+              <a:t>2/3/2025</a:t>
             </a:fld>
             <a:endParaRPr lang="en-US" dirty="0"/>
           </a:p>
@@ -2002,7 +2002,7 @@
           <a:p>
             <a:fld id="{677919A6-33EB-49BD-A62F-1FA56B9F9712}" type="datetimeFigureOut">
               <a:rPr lang="en-US" smtClean="0"/>
-              <a:t>2/2/2025</a:t>
+              <a:t>2/3/2025</a:t>
             </a:fld>
             <a:endParaRPr lang="en-US" dirty="0"/>
           </a:p>
@@ -2128,7 +2128,7 @@
           <a:p>
             <a:fld id="{CA4E7D1B-D673-4CF6-8672-009D42ABD2A0}" type="datetimeFigureOut">
               <a:rPr lang="en-US" smtClean="0"/>
-              <a:t>2/2/2025</a:t>
+              <a:t>2/3/2025</a:t>
             </a:fld>
             <a:endParaRPr lang="en-US" dirty="0"/>
           </a:p>
@@ -2379,7 +2379,7 @@
           <a:p>
             <a:fld id="{DA16AA21-1863-4931-97CB-99D0A168701B}" type="datetimeFigureOut">
               <a:rPr lang="en-US" smtClean="0"/>
-              <a:t>2/2/2025</a:t>
+              <a:t>2/3/2025</a:t>
             </a:fld>
             <a:endParaRPr lang="en-US" dirty="0"/>
           </a:p>
@@ -2824,7 +2824,7 @@
           <a:p>
             <a:fld id="{3772C379-9A7C-4C87-A116-CBE9F58B04C5}" type="datetimeFigureOut">
               <a:rPr lang="en-US" smtClean="0"/>
-              <a:t>2/2/2025</a:t>
+              <a:t>2/3/2025</a:t>
             </a:fld>
             <a:endParaRPr lang="en-US" dirty="0"/>
           </a:p>
@@ -3151,7 +3151,7 @@
           <a:p>
             <a:fld id="{8664C608-40B1-4030-A28D-5B74BC98ADCE}" type="datetimeFigureOut">
               <a:rPr lang="en-US" smtClean="0"/>
-              <a:t>2/2/2025</a:t>
+              <a:t>2/3/2025</a:t>
             </a:fld>
             <a:endParaRPr lang="en-US" dirty="0"/>
           </a:p>
@@ -4096,12 +4096,123 @@
                 <a:latin typeface="Poppins" panose="00000500000000000000" pitchFamily="2" charset="0"/>
                 <a:cs typeface="Poppins" panose="00000500000000000000" pitchFamily="2" charset="0"/>
               </a:rPr>
-              <a:t> Employee Work hours Monitoring</a:t>
-            </a:r>
-          </a:p>
-          <a:p>
-            <a:pPr marL="0" indent="0">
+              <a:t> Making UI/UX more interactive</a:t>
+            </a:r>
+          </a:p>
+          <a:p>
+            <a:pPr marL="0" marR="0" lvl="0" indent="0" algn="l" defTabSz="914400" rtl="0" eaLnBrk="0" fontAlgn="base" latinLnBrk="0" hangingPunct="0">
+              <a:lnSpc>
+                <a:spcPct val="150000"/>
+              </a:lnSpc>
+              <a:spcBef>
+                <a:spcPct val="0"/>
+              </a:spcBef>
+              <a:spcAft>
+                <a:spcPct val="0"/>
+              </a:spcAft>
+              <a:buClrTx/>
+              <a:buSzTx/>
+              <a:buFontTx/>
+              <a:buChar char="•"/>
+              <a:tabLst/>
+            </a:pPr>
+            <a:r>
+              <a:rPr kumimoji="0" lang="en-US" altLang="en-US" sz="2400" i="0" u="none" strike="noStrike" cap="none" normalizeH="0" baseline="0" dirty="0">
+                <a:ln>
+                  <a:noFill/>
+                </a:ln>
+                <a:effectLst/>
+                <a:latin typeface="Poppins" panose="00000500000000000000" pitchFamily="2" charset="0"/>
+                <a:cs typeface="Poppins" panose="00000500000000000000" pitchFamily="2" charset="0"/>
+              </a:rPr>
+              <a:t> </a:t>
+            </a:r>
+            <a:r>
+              <a:rPr lang="en-US" altLang="en-US" sz="2400" dirty="0">
+                <a:latin typeface="Poppins" panose="00000500000000000000" pitchFamily="2" charset="0"/>
+                <a:cs typeface="Poppins" panose="00000500000000000000" pitchFamily="2" charset="0"/>
+              </a:rPr>
+              <a:t>Providing</a:t>
+            </a:r>
+            <a:r>
+              <a:rPr kumimoji="0" lang="en-US" altLang="en-US" sz="2400" i="0" u="none" strike="noStrike" cap="none" normalizeH="0" baseline="0" dirty="0">
+                <a:ln>
+                  <a:noFill/>
+                </a:ln>
+                <a:effectLst/>
+                <a:latin typeface="Poppins" panose="00000500000000000000" pitchFamily="2" charset="0"/>
+                <a:cs typeface="Poppins" panose="00000500000000000000" pitchFamily="2" charset="0"/>
+              </a:rPr>
+              <a:t> dashboard report and analysis on bookings</a:t>
+            </a:r>
+          </a:p>
+          <a:p>
+            <a:pPr marL="0" marR="0" lvl="0" indent="0" algn="l" defTabSz="914400" rtl="0" eaLnBrk="0" fontAlgn="base" latinLnBrk="0" hangingPunct="0">
+              <a:lnSpc>
+                <a:spcPct val="150000"/>
+              </a:lnSpc>
+              <a:spcBef>
+                <a:spcPct val="0"/>
+              </a:spcBef>
+              <a:spcAft>
+                <a:spcPct val="0"/>
+              </a:spcAft>
+              <a:buClrTx/>
+              <a:buSzTx/>
               <a:buNone/>
+              <a:tabLst/>
+            </a:pPr>
+            <a:endParaRPr kumimoji="0" lang="en-US" altLang="en-US" sz="2400" i="0" u="none" strike="noStrike" cap="none" normalizeH="0" baseline="0" dirty="0">
+              <a:ln>
+                <a:noFill/>
+              </a:ln>
+              <a:effectLst/>
+              <a:latin typeface="Poppins" panose="00000500000000000000" pitchFamily="2" charset="0"/>
+              <a:cs typeface="Poppins" panose="00000500000000000000" pitchFamily="2" charset="0"/>
+            </a:endParaRPr>
+          </a:p>
+          <a:p>
+            <a:pPr marL="0" marR="0" lvl="0" indent="0" algn="l" defTabSz="914400" rtl="0" eaLnBrk="0" fontAlgn="base" latinLnBrk="0" hangingPunct="0">
+              <a:lnSpc>
+                <a:spcPct val="150000"/>
+              </a:lnSpc>
+              <a:spcBef>
+                <a:spcPct val="0"/>
+              </a:spcBef>
+              <a:spcAft>
+                <a:spcPct val="0"/>
+              </a:spcAft>
+              <a:buClrTx/>
+              <a:buSzTx/>
+              <a:buFontTx/>
+              <a:buChar char="•"/>
+              <a:tabLst/>
+            </a:pPr>
+            <a:endParaRPr kumimoji="0" lang="en-US" altLang="en-US" sz="2400" i="0" u="none" strike="noStrike" cap="none" normalizeH="0" baseline="0" dirty="0">
+              <a:ln>
+                <a:noFill/>
+              </a:ln>
+              <a:effectLst/>
+              <a:latin typeface="Poppins" panose="00000500000000000000" pitchFamily="2" charset="0"/>
+              <a:cs typeface="Poppins" panose="00000500000000000000" pitchFamily="2" charset="0"/>
+            </a:endParaRPr>
+          </a:p>
+          <a:p>
+            <a:pPr marL="0" marR="0" lvl="0" indent="0" algn="l" defTabSz="914400" rtl="0" eaLnBrk="0" fontAlgn="base" latinLnBrk="0" hangingPunct="0">
+              <a:lnSpc>
+                <a:spcPct val="150000"/>
+              </a:lnSpc>
+              <a:spcBef>
+                <a:spcPct val="0"/>
+              </a:spcBef>
+              <a:spcAft>
+                <a:spcPct val="0"/>
+              </a:spcAft>
+              <a:buClrTx/>
+              <a:buSzTx/>
+              <a:buFontTx/>
+              <a:buChar char="•"/>
+              <a:tabLst/>
             </a:pPr>
             <a:endParaRPr lang="en-IN" sz="2400" dirty="0"/>
           </a:p>
@@ -4999,7 +5110,7 @@
         </p:spPr>
         <p:txBody>
           <a:bodyPr>
-            <a:normAutofit fontScale="85000" lnSpcReduction="10000"/>
+            <a:normAutofit fontScale="85000" lnSpcReduction="20000"/>
           </a:bodyPr>
           <a:lstStyle/>
           <a:p>
@@ -5062,7 +5173,7 @@
                 <a:cs typeface="Poppins"/>
                 <a:sym typeface="Poppins"/>
               </a:rPr>
-              <a:t>Create new users, workspace, venues, parking slots</a:t>
+              <a:t>Create new employees, workspace, venues, and parking slots</a:t>
             </a:r>
             <a:endParaRPr lang="en-IN" sz="2400" dirty="0"/>
           </a:p>
@@ -5344,6 +5455,17 @@
                 <a:sym typeface="Poppins"/>
               </a:rPr>
               <a:t>Book a Venue</a:t>
+            </a:r>
+          </a:p>
+          <a:p>
+            <a:r>
+              <a:rPr lang="en-US" dirty="0">
+                <a:latin typeface="Poppins"/>
+                <a:ea typeface="Poppins"/>
+                <a:cs typeface="Poppins"/>
+                <a:sym typeface="Poppins"/>
+              </a:rPr>
+              <a:t>View the booking details</a:t>
             </a:r>
           </a:p>
         </p:txBody>

--- a/BookEz.pptx
+++ b/BookEz.pptx
@@ -13,8 +13,8 @@
     <p:sldId id="261" r:id="rId7"/>
     <p:sldId id="260" r:id="rId8"/>
     <p:sldId id="262" r:id="rId9"/>
-    <p:sldId id="263" r:id="rId10"/>
-    <p:sldId id="265" r:id="rId11"/>
+    <p:sldId id="265" r:id="rId10"/>
+    <p:sldId id="263" r:id="rId11"/>
     <p:sldId id="266" r:id="rId12"/>
   </p:sldIdLst>
   <p:sldSz cx="12192000" cy="6858000"/>
@@ -3668,6 +3668,10 @@
           <a:lstStyle/>
           <a:p>
             <a:r>
+              <a:rPr lang="en-US" sz="8800" b="1" dirty="0"/>
+              <a:t> </a:t>
+            </a:r>
+            <a:r>
               <a:rPr lang="en-US" sz="8800" b="1" dirty="0" err="1"/>
               <a:t>BookEz</a:t>
             </a:r>
@@ -3960,6 +3964,35 @@
           </a:p>
         </p:txBody>
       </p:sp>
+      <p:pic>
+        <p:nvPicPr>
+          <p:cNvPr id="10" name="Picture 9" descr="A black background with white text and green logo&#10;&#10;Description automatically generated">
+            <a:extLst>
+              <a:ext uri="{FF2B5EF4-FFF2-40B4-BE49-F238E27FC236}">
+                <a16:creationId xmlns:a16="http://schemas.microsoft.com/office/drawing/2014/main" id="{E2856FCB-6773-4D8C-6C7C-BE4D3C79FF56}"/>
+              </a:ext>
+            </a:extLst>
+          </p:cNvPr>
+          <p:cNvPicPr>
+            <a:picLocks noChangeAspect="1"/>
+          </p:cNvPicPr>
+          <p:nvPr/>
+        </p:nvPicPr>
+        <p:blipFill>
+          <a:blip r:embed="rId2"/>
+          <a:srcRect t="38259" b="38111"/>
+          <a:stretch/>
+        </p:blipFill>
+        <p:spPr>
+          <a:xfrm>
+            <a:off x="2440651" y="1841835"/>
+            <a:ext cx="6408709" cy="1522080"/>
+          </a:xfrm>
+          <a:prstGeom prst="rect">
+            <a:avLst/>
+          </a:prstGeom>
+        </p:spPr>
+      </p:pic>
     </p:spTree>
     <p:extLst>
       <p:ext uri="{BB962C8B-B14F-4D97-AF65-F5344CB8AC3E}">
@@ -3992,10 +4025,10 @@
       </p:grpSpPr>
       <p:sp>
         <p:nvSpPr>
-          <p:cNvPr id="7" name="Title 6">
+          <p:cNvPr id="2" name="Title 1">
             <a:extLst>
               <a:ext uri="{FF2B5EF4-FFF2-40B4-BE49-F238E27FC236}">
-                <a16:creationId xmlns:a16="http://schemas.microsoft.com/office/drawing/2014/main" id="{6D6F8F98-D6AE-6C7E-F792-F4B61BFC3B1F}"/>
+                <a16:creationId xmlns:a16="http://schemas.microsoft.com/office/drawing/2014/main" id="{7780C1A9-F74D-E4EA-7095-8014AB289558}"/>
               </a:ext>
             </a:extLst>
           </p:cNvPr>
@@ -4013,7 +4046,7 @@
           <a:p>
             <a:r>
               <a:rPr lang="en-US" b="1" dirty="0"/>
-              <a:t>FUTURE ENHANCEMENTS</a:t>
+              <a:t>CONCLUSION</a:t>
             </a:r>
             <a:endParaRPr lang="en-IN" b="1" dirty="0"/>
           </a:p>
@@ -4021,10 +4054,10 @@
       </p:sp>
       <p:sp>
         <p:nvSpPr>
-          <p:cNvPr id="8" name="Content Placeholder 7">
+          <p:cNvPr id="5" name="Content Placeholder 4">
             <a:extLst>
               <a:ext uri="{FF2B5EF4-FFF2-40B4-BE49-F238E27FC236}">
-                <a16:creationId xmlns:a16="http://schemas.microsoft.com/office/drawing/2014/main" id="{C5119B14-B812-6E53-7FDF-D910AB9B7D12}"/>
+                <a16:creationId xmlns:a16="http://schemas.microsoft.com/office/drawing/2014/main" id="{C358825A-A591-7248-A915-E46881F0412B}"/>
               </a:ext>
             </a:extLst>
           </p:cNvPr>
@@ -4037,9 +4070,7 @@
         </p:nvSpPr>
         <p:spPr/>
         <p:txBody>
-          <a:bodyPr>
-            <a:normAutofit/>
-          </a:bodyPr>
+          <a:bodyPr/>
           <a:lstStyle/>
           <a:p>
             <a:pPr marL="0" marR="0" lvl="0" indent="0" algn="l" defTabSz="914400" rtl="0" eaLnBrk="0" fontAlgn="base" latinLnBrk="0" hangingPunct="0">
@@ -4059,7 +4090,7 @@
               <a:tabLst/>
             </a:pPr>
             <a:r>
-              <a:rPr kumimoji="0" lang="en-US" altLang="en-US" sz="2400" i="0" u="none" strike="noStrike" cap="none" normalizeH="0" baseline="0" dirty="0">
+              <a:rPr kumimoji="0" lang="en-US" altLang="en-US" sz="2000" i="0" u="none" strike="noStrike" cap="none" normalizeH="0" baseline="0" dirty="0">
                 <a:ln>
                   <a:noFill/>
                 </a:ln>
@@ -4067,7 +4098,7 @@
                 <a:latin typeface="Poppins" panose="00000500000000000000" pitchFamily="2" charset="0"/>
                 <a:cs typeface="Poppins" panose="00000500000000000000" pitchFamily="2" charset="0"/>
               </a:rPr>
-              <a:t> Implementing Notification System</a:t>
+              <a:t> Reduced confusion and improved resource utilization.</a:t>
             </a:r>
           </a:p>
           <a:p>
@@ -4088,7 +4119,7 @@
               <a:tabLst/>
             </a:pPr>
             <a:r>
-              <a:rPr kumimoji="0" lang="en-US" altLang="en-US" sz="2400" i="0" u="none" strike="noStrike" cap="none" normalizeH="0" baseline="0" dirty="0">
+              <a:rPr kumimoji="0" lang="en-US" altLang="en-US" sz="2000" i="0" u="none" strike="noStrike" cap="none" normalizeH="0" baseline="0" dirty="0">
                 <a:ln>
                   <a:noFill/>
                 </a:ln>
@@ -4096,7 +4127,7 @@
                 <a:latin typeface="Poppins" panose="00000500000000000000" pitchFamily="2" charset="0"/>
                 <a:cs typeface="Poppins" panose="00000500000000000000" pitchFamily="2" charset="0"/>
               </a:rPr>
-              <a:t> Making UI/UX more interactive</a:t>
+              <a:t> A seamless experience for employees and event organizers.</a:t>
             </a:r>
           </a:p>
           <a:p>
@@ -4117,7 +4148,7 @@
               <a:tabLst/>
             </a:pPr>
             <a:r>
-              <a:rPr kumimoji="0" lang="en-US" altLang="en-US" sz="2400" i="0" u="none" strike="noStrike" cap="none" normalizeH="0" baseline="0" dirty="0">
+              <a:rPr kumimoji="0" lang="en-US" altLang="en-US" sz="2000" i="0" u="none" strike="noStrike" cap="none" normalizeH="0" baseline="0" dirty="0">
                 <a:ln>
                   <a:noFill/>
                 </a:ln>
@@ -4125,103 +4156,15 @@
                 <a:latin typeface="Poppins" panose="00000500000000000000" pitchFamily="2" charset="0"/>
                 <a:cs typeface="Poppins" panose="00000500000000000000" pitchFamily="2" charset="0"/>
               </a:rPr>
-              <a:t> </a:t>
-            </a:r>
-            <a:r>
-              <a:rPr lang="en-US" altLang="en-US" sz="2400" dirty="0">
-                <a:latin typeface="Poppins" panose="00000500000000000000" pitchFamily="2" charset="0"/>
-                <a:cs typeface="Poppins" panose="00000500000000000000" pitchFamily="2" charset="0"/>
-              </a:rPr>
-              <a:t>Providing</a:t>
-            </a:r>
-            <a:r>
-              <a:rPr kumimoji="0" lang="en-US" altLang="en-US" sz="2400" i="0" u="none" strike="noStrike" cap="none" normalizeH="0" baseline="0" dirty="0">
-                <a:ln>
-                  <a:noFill/>
-                </a:ln>
-                <a:effectLst/>
-                <a:latin typeface="Poppins" panose="00000500000000000000" pitchFamily="2" charset="0"/>
-                <a:cs typeface="Poppins" panose="00000500000000000000" pitchFamily="2" charset="0"/>
-              </a:rPr>
-              <a:t> dashboard report and analysis on bookings</a:t>
-            </a:r>
-          </a:p>
-          <a:p>
-            <a:pPr marL="0" marR="0" lvl="0" indent="0" algn="l" defTabSz="914400" rtl="0" eaLnBrk="0" fontAlgn="base" latinLnBrk="0" hangingPunct="0">
-              <a:lnSpc>
-                <a:spcPct val="150000"/>
-              </a:lnSpc>
-              <a:spcBef>
-                <a:spcPct val="0"/>
-              </a:spcBef>
-              <a:spcAft>
-                <a:spcPct val="0"/>
-              </a:spcAft>
-              <a:buClrTx/>
-              <a:buSzTx/>
-              <a:buNone/>
-              <a:tabLst/>
-            </a:pPr>
-            <a:endParaRPr kumimoji="0" lang="en-US" altLang="en-US" sz="2400" i="0" u="none" strike="noStrike" cap="none" normalizeH="0" baseline="0" dirty="0">
-              <a:ln>
-                <a:noFill/>
-              </a:ln>
-              <a:effectLst/>
-              <a:latin typeface="Poppins" panose="00000500000000000000" pitchFamily="2" charset="0"/>
-              <a:cs typeface="Poppins" panose="00000500000000000000" pitchFamily="2" charset="0"/>
-            </a:endParaRPr>
-          </a:p>
-          <a:p>
-            <a:pPr marL="0" marR="0" lvl="0" indent="0" algn="l" defTabSz="914400" rtl="0" eaLnBrk="0" fontAlgn="base" latinLnBrk="0" hangingPunct="0">
-              <a:lnSpc>
-                <a:spcPct val="150000"/>
-              </a:lnSpc>
-              <a:spcBef>
-                <a:spcPct val="0"/>
-              </a:spcBef>
-              <a:spcAft>
-                <a:spcPct val="0"/>
-              </a:spcAft>
-              <a:buClrTx/>
-              <a:buSzTx/>
-              <a:buFontTx/>
-              <a:buChar char="•"/>
-              <a:tabLst/>
-            </a:pPr>
-            <a:endParaRPr kumimoji="0" lang="en-US" altLang="en-US" sz="2400" i="0" u="none" strike="noStrike" cap="none" normalizeH="0" baseline="0" dirty="0">
-              <a:ln>
-                <a:noFill/>
-              </a:ln>
-              <a:effectLst/>
-              <a:latin typeface="Poppins" panose="00000500000000000000" pitchFamily="2" charset="0"/>
-              <a:cs typeface="Poppins" panose="00000500000000000000" pitchFamily="2" charset="0"/>
-            </a:endParaRPr>
-          </a:p>
-          <a:p>
-            <a:pPr marL="0" marR="0" lvl="0" indent="0" algn="l" defTabSz="914400" rtl="0" eaLnBrk="0" fontAlgn="base" latinLnBrk="0" hangingPunct="0">
-              <a:lnSpc>
-                <a:spcPct val="150000"/>
-              </a:lnSpc>
-              <a:spcBef>
-                <a:spcPct val="0"/>
-              </a:spcBef>
-              <a:spcAft>
-                <a:spcPct val="0"/>
-              </a:spcAft>
-              <a:buClrTx/>
-              <a:buSzTx/>
-              <a:buFontTx/>
-              <a:buChar char="•"/>
-              <a:tabLst/>
-            </a:pPr>
-            <a:endParaRPr lang="en-IN" sz="2400" dirty="0"/>
+              <a:t> Enhanced employee engagement through smoother venue management.</a:t>
+            </a:r>
           </a:p>
         </p:txBody>
       </p:sp>
     </p:spTree>
     <p:extLst>
       <p:ext uri="{BB962C8B-B14F-4D97-AF65-F5344CB8AC3E}">
-        <p14:creationId xmlns:p14="http://schemas.microsoft.com/office/powerpoint/2010/main" val="518931192"/>
+        <p14:creationId xmlns:p14="http://schemas.microsoft.com/office/powerpoint/2010/main" val="3677550276"/>
       </p:ext>
     </p:extLst>
   </p:cSld>
@@ -4807,17 +4750,14 @@
           <a:p>
             <a:r>
               <a:rPr lang="en-US" dirty="0"/>
+              <a:t>FUTURE ENHANCEMENTS</a:t>
+            </a:r>
+          </a:p>
+          <a:p>
+            <a:r>
+              <a:rPr lang="en-US" dirty="0"/>
               <a:t>CONCLUSION</a:t>
             </a:r>
-          </a:p>
-          <a:p>
-            <a:r>
-              <a:rPr lang="en-US" dirty="0"/>
-              <a:t>FUTURE ENHANCEMENTS</a:t>
-            </a:r>
-          </a:p>
-          <a:p>
-            <a:endParaRPr lang="en-US" dirty="0"/>
           </a:p>
           <a:p>
             <a:endParaRPr lang="en-US" dirty="0"/>
@@ -6265,7 +6205,7 @@
             </a:pPr>
             <a:r>
               <a:rPr lang="en-US" sz="2400" b="1" dirty="0"/>
-              <a:t>DEV-TOOLS</a:t>
+              <a:t>BACKEND</a:t>
             </a:r>
           </a:p>
         </p:txBody>
@@ -6592,10 +6532,10 @@
       </p:pic>
       <p:pic>
         <p:nvPicPr>
-          <p:cNvPr id="1034" name="Picture 10" descr="GitHub Logo, symbol, meaning, history, PNG, brand">
+          <p:cNvPr id="1026" name="Picture 2" descr="&quot;database mysql&quot; Icon - Download for free – Iconduck">
             <a:extLst>
               <a:ext uri="{FF2B5EF4-FFF2-40B4-BE49-F238E27FC236}">
-                <a16:creationId xmlns:a16="http://schemas.microsoft.com/office/drawing/2014/main" id="{0B971209-015F-AF85-E581-F3DE927949C6}"/>
+                <a16:creationId xmlns:a16="http://schemas.microsoft.com/office/drawing/2014/main" id="{5C53384B-6787-E46F-C621-1D09EDB3CB65}"/>
               </a:ext>
             </a:extLst>
           </p:cNvPr>
@@ -6619,8 +6559,8 @@
         </p:blipFill>
         <p:spPr bwMode="auto">
           <a:xfrm>
-            <a:off x="9176747" y="3803780"/>
-            <a:ext cx="2000690" cy="1125388"/>
+            <a:off x="9583082" y="3657600"/>
+            <a:ext cx="1188022" cy="1240656"/>
           </a:xfrm>
           <a:prstGeom prst="rect">
             <a:avLst/>
@@ -8243,10 +8183,10 @@
       </p:grpSpPr>
       <p:sp>
         <p:nvSpPr>
-          <p:cNvPr id="2" name="Title 1">
+          <p:cNvPr id="7" name="Title 6">
             <a:extLst>
               <a:ext uri="{FF2B5EF4-FFF2-40B4-BE49-F238E27FC236}">
-                <a16:creationId xmlns:a16="http://schemas.microsoft.com/office/drawing/2014/main" id="{7780C1A9-F74D-E4EA-7095-8014AB289558}"/>
+                <a16:creationId xmlns:a16="http://schemas.microsoft.com/office/drawing/2014/main" id="{6D6F8F98-D6AE-6C7E-F792-F4B61BFC3B1F}"/>
               </a:ext>
             </a:extLst>
           </p:cNvPr>
@@ -8264,7 +8204,7 @@
           <a:p>
             <a:r>
               <a:rPr lang="en-US" b="1" dirty="0"/>
-              <a:t>CONCLUSION</a:t>
+              <a:t>FUTURE ENHANCEMENTS</a:t>
             </a:r>
             <a:endParaRPr lang="en-IN" b="1" dirty="0"/>
           </a:p>
@@ -8272,10 +8212,10 @@
       </p:sp>
       <p:sp>
         <p:nvSpPr>
-          <p:cNvPr id="5" name="Content Placeholder 4">
+          <p:cNvPr id="8" name="Content Placeholder 7">
             <a:extLst>
               <a:ext uri="{FF2B5EF4-FFF2-40B4-BE49-F238E27FC236}">
-                <a16:creationId xmlns:a16="http://schemas.microsoft.com/office/drawing/2014/main" id="{C358825A-A591-7248-A915-E46881F0412B}"/>
+                <a16:creationId xmlns:a16="http://schemas.microsoft.com/office/drawing/2014/main" id="{C5119B14-B812-6E53-7FDF-D910AB9B7D12}"/>
               </a:ext>
             </a:extLst>
           </p:cNvPr>
@@ -8288,7 +8228,9 @@
         </p:nvSpPr>
         <p:spPr/>
         <p:txBody>
-          <a:bodyPr/>
+          <a:bodyPr>
+            <a:normAutofit/>
+          </a:bodyPr>
           <a:lstStyle/>
           <a:p>
             <a:pPr marL="0" marR="0" lvl="0" indent="0" algn="l" defTabSz="914400" rtl="0" eaLnBrk="0" fontAlgn="base" latinLnBrk="0" hangingPunct="0">
@@ -8308,7 +8250,7 @@
               <a:tabLst/>
             </a:pPr>
             <a:r>
-              <a:rPr kumimoji="0" lang="en-US" altLang="en-US" sz="2000" i="0" u="none" strike="noStrike" cap="none" normalizeH="0" baseline="0" dirty="0">
+              <a:rPr kumimoji="0" lang="en-US" altLang="en-US" sz="2400" i="0" u="none" strike="noStrike" cap="none" normalizeH="0" baseline="0" dirty="0">
                 <a:ln>
                   <a:noFill/>
                 </a:ln>
@@ -8316,7 +8258,7 @@
                 <a:latin typeface="Poppins" panose="00000500000000000000" pitchFamily="2" charset="0"/>
                 <a:cs typeface="Poppins" panose="00000500000000000000" pitchFamily="2" charset="0"/>
               </a:rPr>
-              <a:t>Reduced confusion and improved resource utilization.</a:t>
+              <a:t> Implementing Notification System</a:t>
             </a:r>
           </a:p>
           <a:p>
@@ -8337,7 +8279,7 @@
               <a:tabLst/>
             </a:pPr>
             <a:r>
-              <a:rPr kumimoji="0" lang="en-US" altLang="en-US" sz="2000" i="0" u="none" strike="noStrike" cap="none" normalizeH="0" baseline="0" dirty="0">
+              <a:rPr kumimoji="0" lang="en-US" altLang="en-US" sz="2400" i="0" u="none" strike="noStrike" cap="none" normalizeH="0" baseline="0" dirty="0">
                 <a:ln>
                   <a:noFill/>
                 </a:ln>
@@ -8345,7 +8287,7 @@
                 <a:latin typeface="Poppins" panose="00000500000000000000" pitchFamily="2" charset="0"/>
                 <a:cs typeface="Poppins" panose="00000500000000000000" pitchFamily="2" charset="0"/>
               </a:rPr>
-              <a:t>A seamless experience for employees and event organizers.</a:t>
+              <a:t> Making UI/UX more interactive</a:t>
             </a:r>
           </a:p>
           <a:p>
@@ -8366,7 +8308,7 @@
               <a:tabLst/>
             </a:pPr>
             <a:r>
-              <a:rPr kumimoji="0" lang="en-US" altLang="en-US" sz="2000" i="0" u="none" strike="noStrike" cap="none" normalizeH="0" baseline="0" dirty="0">
+              <a:rPr kumimoji="0" lang="en-US" altLang="en-US" sz="2400" i="0" u="none" strike="noStrike" cap="none" normalizeH="0" baseline="0" dirty="0">
                 <a:ln>
                   <a:noFill/>
                 </a:ln>
@@ -8374,15 +8316,103 @@
                 <a:latin typeface="Poppins" panose="00000500000000000000" pitchFamily="2" charset="0"/>
                 <a:cs typeface="Poppins" panose="00000500000000000000" pitchFamily="2" charset="0"/>
               </a:rPr>
-              <a:t>Enhanced employee engagement through smoother event management.</a:t>
-            </a:r>
+              <a:t> </a:t>
+            </a:r>
+            <a:r>
+              <a:rPr lang="en-US" altLang="en-US" sz="2400" dirty="0">
+                <a:latin typeface="Poppins" panose="00000500000000000000" pitchFamily="2" charset="0"/>
+                <a:cs typeface="Poppins" panose="00000500000000000000" pitchFamily="2" charset="0"/>
+              </a:rPr>
+              <a:t>Providing</a:t>
+            </a:r>
+            <a:r>
+              <a:rPr kumimoji="0" lang="en-US" altLang="en-US" sz="2400" i="0" u="none" strike="noStrike" cap="none" normalizeH="0" baseline="0" dirty="0">
+                <a:ln>
+                  <a:noFill/>
+                </a:ln>
+                <a:effectLst/>
+                <a:latin typeface="Poppins" panose="00000500000000000000" pitchFamily="2" charset="0"/>
+                <a:cs typeface="Poppins" panose="00000500000000000000" pitchFamily="2" charset="0"/>
+              </a:rPr>
+              <a:t> dashboard report and analysis on bookings</a:t>
+            </a:r>
+          </a:p>
+          <a:p>
+            <a:pPr marL="0" marR="0" lvl="0" indent="0" algn="l" defTabSz="914400" rtl="0" eaLnBrk="0" fontAlgn="base" latinLnBrk="0" hangingPunct="0">
+              <a:lnSpc>
+                <a:spcPct val="150000"/>
+              </a:lnSpc>
+              <a:spcBef>
+                <a:spcPct val="0"/>
+              </a:spcBef>
+              <a:spcAft>
+                <a:spcPct val="0"/>
+              </a:spcAft>
+              <a:buClrTx/>
+              <a:buSzTx/>
+              <a:buNone/>
+              <a:tabLst/>
+            </a:pPr>
+            <a:endParaRPr kumimoji="0" lang="en-US" altLang="en-US" sz="2400" i="0" u="none" strike="noStrike" cap="none" normalizeH="0" baseline="0" dirty="0">
+              <a:ln>
+                <a:noFill/>
+              </a:ln>
+              <a:effectLst/>
+              <a:latin typeface="Poppins" panose="00000500000000000000" pitchFamily="2" charset="0"/>
+              <a:cs typeface="Poppins" panose="00000500000000000000" pitchFamily="2" charset="0"/>
+            </a:endParaRPr>
+          </a:p>
+          <a:p>
+            <a:pPr marL="0" marR="0" lvl="0" indent="0" algn="l" defTabSz="914400" rtl="0" eaLnBrk="0" fontAlgn="base" latinLnBrk="0" hangingPunct="0">
+              <a:lnSpc>
+                <a:spcPct val="150000"/>
+              </a:lnSpc>
+              <a:spcBef>
+                <a:spcPct val="0"/>
+              </a:spcBef>
+              <a:spcAft>
+                <a:spcPct val="0"/>
+              </a:spcAft>
+              <a:buClrTx/>
+              <a:buSzTx/>
+              <a:buFontTx/>
+              <a:buChar char="•"/>
+              <a:tabLst/>
+            </a:pPr>
+            <a:endParaRPr kumimoji="0" lang="en-US" altLang="en-US" sz="2400" i="0" u="none" strike="noStrike" cap="none" normalizeH="0" baseline="0" dirty="0">
+              <a:ln>
+                <a:noFill/>
+              </a:ln>
+              <a:effectLst/>
+              <a:latin typeface="Poppins" panose="00000500000000000000" pitchFamily="2" charset="0"/>
+              <a:cs typeface="Poppins" panose="00000500000000000000" pitchFamily="2" charset="0"/>
+            </a:endParaRPr>
+          </a:p>
+          <a:p>
+            <a:pPr marL="0" marR="0" lvl="0" indent="0" algn="l" defTabSz="914400" rtl="0" eaLnBrk="0" fontAlgn="base" latinLnBrk="0" hangingPunct="0">
+              <a:lnSpc>
+                <a:spcPct val="150000"/>
+              </a:lnSpc>
+              <a:spcBef>
+                <a:spcPct val="0"/>
+              </a:spcBef>
+              <a:spcAft>
+                <a:spcPct val="0"/>
+              </a:spcAft>
+              <a:buClrTx/>
+              <a:buSzTx/>
+              <a:buFontTx/>
+              <a:buChar char="•"/>
+              <a:tabLst/>
+            </a:pPr>
+            <a:endParaRPr lang="en-IN" sz="2400" dirty="0"/>
           </a:p>
         </p:txBody>
       </p:sp>
     </p:spTree>
     <p:extLst>
       <p:ext uri="{BB962C8B-B14F-4D97-AF65-F5344CB8AC3E}">
-        <p14:creationId xmlns:p14="http://schemas.microsoft.com/office/powerpoint/2010/main" val="3677550276"/>
+        <p14:creationId xmlns:p14="http://schemas.microsoft.com/office/powerpoint/2010/main" val="518931192"/>
       </p:ext>
     </p:extLst>
   </p:cSld>
